--- a/progressreport.pptx
+++ b/progressreport.pptx
@@ -268,7 +268,7 @@
           <a:p>
             <a:fld id="{6BD30CDE-DA6F-4D47-AF50-73E981BD6B11}" type="datetimeFigureOut">
               <a:rPr lang="en-US" smtClean="0"/>
-              <a:t>11/16/18</a:t>
+              <a:t>11/18/18</a:t>
             </a:fld>
             <a:endParaRPr lang="en-US"/>
           </a:p>
@@ -466,7 +466,7 @@
           <a:p>
             <a:fld id="{6BD30CDE-DA6F-4D47-AF50-73E981BD6B11}" type="datetimeFigureOut">
               <a:rPr lang="en-US" smtClean="0"/>
-              <a:t>11/16/18</a:t>
+              <a:t>11/18/18</a:t>
             </a:fld>
             <a:endParaRPr lang="en-US"/>
           </a:p>
@@ -674,7 +674,7 @@
           <a:p>
             <a:fld id="{6BD30CDE-DA6F-4D47-AF50-73E981BD6B11}" type="datetimeFigureOut">
               <a:rPr lang="en-US" smtClean="0"/>
-              <a:t>11/16/18</a:t>
+              <a:t>11/18/18</a:t>
             </a:fld>
             <a:endParaRPr lang="en-US"/>
           </a:p>
@@ -872,7 +872,7 @@
           <a:p>
             <a:fld id="{6BD30CDE-DA6F-4D47-AF50-73E981BD6B11}" type="datetimeFigureOut">
               <a:rPr lang="en-US" smtClean="0"/>
-              <a:t>11/16/18</a:t>
+              <a:t>11/18/18</a:t>
             </a:fld>
             <a:endParaRPr lang="en-US"/>
           </a:p>
@@ -1147,7 +1147,7 @@
           <a:p>
             <a:fld id="{6BD30CDE-DA6F-4D47-AF50-73E981BD6B11}" type="datetimeFigureOut">
               <a:rPr lang="en-US" smtClean="0"/>
-              <a:t>11/16/18</a:t>
+              <a:t>11/18/18</a:t>
             </a:fld>
             <a:endParaRPr lang="en-US"/>
           </a:p>
@@ -1412,7 +1412,7 @@
           <a:p>
             <a:fld id="{6BD30CDE-DA6F-4D47-AF50-73E981BD6B11}" type="datetimeFigureOut">
               <a:rPr lang="en-US" smtClean="0"/>
-              <a:t>11/16/18</a:t>
+              <a:t>11/18/18</a:t>
             </a:fld>
             <a:endParaRPr lang="en-US"/>
           </a:p>
@@ -1824,7 +1824,7 @@
           <a:p>
             <a:fld id="{6BD30CDE-DA6F-4D47-AF50-73E981BD6B11}" type="datetimeFigureOut">
               <a:rPr lang="en-US" smtClean="0"/>
-              <a:t>11/16/18</a:t>
+              <a:t>11/18/18</a:t>
             </a:fld>
             <a:endParaRPr lang="en-US"/>
           </a:p>
@@ -1965,7 +1965,7 @@
           <a:p>
             <a:fld id="{6BD30CDE-DA6F-4D47-AF50-73E981BD6B11}" type="datetimeFigureOut">
               <a:rPr lang="en-US" smtClean="0"/>
-              <a:t>11/16/18</a:t>
+              <a:t>11/18/18</a:t>
             </a:fld>
             <a:endParaRPr lang="en-US"/>
           </a:p>
@@ -2078,7 +2078,7 @@
           <a:p>
             <a:fld id="{6BD30CDE-DA6F-4D47-AF50-73E981BD6B11}" type="datetimeFigureOut">
               <a:rPr lang="en-US" smtClean="0"/>
-              <a:t>11/16/18</a:t>
+              <a:t>11/18/18</a:t>
             </a:fld>
             <a:endParaRPr lang="en-US"/>
           </a:p>
@@ -2389,7 +2389,7 @@
           <a:p>
             <a:fld id="{6BD30CDE-DA6F-4D47-AF50-73E981BD6B11}" type="datetimeFigureOut">
               <a:rPr lang="en-US" smtClean="0"/>
-              <a:t>11/16/18</a:t>
+              <a:t>11/18/18</a:t>
             </a:fld>
             <a:endParaRPr lang="en-US"/>
           </a:p>
@@ -2677,7 +2677,7 @@
           <a:p>
             <a:fld id="{6BD30CDE-DA6F-4D47-AF50-73E981BD6B11}" type="datetimeFigureOut">
               <a:rPr lang="en-US" smtClean="0"/>
-              <a:t>11/16/18</a:t>
+              <a:t>11/18/18</a:t>
             </a:fld>
             <a:endParaRPr lang="en-US"/>
           </a:p>
@@ -2918,7 +2918,7 @@
           <a:p>
             <a:fld id="{6BD30CDE-DA6F-4D47-AF50-73E981BD6B11}" type="datetimeFigureOut">
               <a:rPr lang="en-US" smtClean="0"/>
-              <a:t>11/16/18</a:t>
+              <a:t>11/18/18</a:t>
             </a:fld>
             <a:endParaRPr lang="en-US"/>
           </a:p>
@@ -3604,13 +3604,13 @@
           <a:p>
             <a:r>
               <a:rPr lang="en-US" dirty="0"/>
-              <a:t>something interesting about team member</a:t>
-            </a:r>
-          </a:p>
-          <a:p>
-            <a:r>
-              <a:rPr lang="en-US" dirty="0"/>
-              <a:t>primary roles and responsibilities for team member</a:t>
+              <a:t>I’ve been parasailing</a:t>
+            </a:r>
+          </a:p>
+          <a:p>
+            <a:r>
+              <a:rPr lang="en-US"/>
+              <a:t>Maintenance </a:t>
             </a:r>
             <a:br>
               <a:rPr lang="en-US" dirty="0"/>
@@ -3892,7 +3892,7 @@
           <a:p>
             <a:r>
               <a:rPr lang="en-US" dirty="0"/>
-              <a:t>Rex</a:t>
+              <a:t>Rex Bryant</a:t>
             </a:r>
           </a:p>
         </p:txBody>
@@ -4008,7 +4008,10 @@
               <a:rPr lang="en-US" dirty="0" err="1"/>
               <a:t>Jaik</a:t>
             </a:r>
-            <a:endParaRPr lang="en-US" dirty="0"/>
+            <a:r>
+              <a:rPr lang="en-US" dirty="0"/>
+              <a:t> Davidson</a:t>
+            </a:r>
           </a:p>
         </p:txBody>
       </p:sp>

--- a/progressreport.pptx
+++ b/progressreport.pptx
@@ -268,7 +268,7 @@
           <a:p>
             <a:fld id="{6BD30CDE-DA6F-4D47-AF50-73E981BD6B11}" type="datetimeFigureOut">
               <a:rPr lang="en-US" smtClean="0"/>
-              <a:t>11/18/18</a:t>
+              <a:t>11/18/2018</a:t>
             </a:fld>
             <a:endParaRPr lang="en-US"/>
           </a:p>
@@ -466,7 +466,7 @@
           <a:p>
             <a:fld id="{6BD30CDE-DA6F-4D47-AF50-73E981BD6B11}" type="datetimeFigureOut">
               <a:rPr lang="en-US" smtClean="0"/>
-              <a:t>11/18/18</a:t>
+              <a:t>11/18/2018</a:t>
             </a:fld>
             <a:endParaRPr lang="en-US"/>
           </a:p>
@@ -674,7 +674,7 @@
           <a:p>
             <a:fld id="{6BD30CDE-DA6F-4D47-AF50-73E981BD6B11}" type="datetimeFigureOut">
               <a:rPr lang="en-US" smtClean="0"/>
-              <a:t>11/18/18</a:t>
+              <a:t>11/18/2018</a:t>
             </a:fld>
             <a:endParaRPr lang="en-US"/>
           </a:p>
@@ -872,7 +872,7 @@
           <a:p>
             <a:fld id="{6BD30CDE-DA6F-4D47-AF50-73E981BD6B11}" type="datetimeFigureOut">
               <a:rPr lang="en-US" smtClean="0"/>
-              <a:t>11/18/18</a:t>
+              <a:t>11/18/2018</a:t>
             </a:fld>
             <a:endParaRPr lang="en-US"/>
           </a:p>
@@ -1147,7 +1147,7 @@
           <a:p>
             <a:fld id="{6BD30CDE-DA6F-4D47-AF50-73E981BD6B11}" type="datetimeFigureOut">
               <a:rPr lang="en-US" smtClean="0"/>
-              <a:t>11/18/18</a:t>
+              <a:t>11/18/2018</a:t>
             </a:fld>
             <a:endParaRPr lang="en-US"/>
           </a:p>
@@ -1412,7 +1412,7 @@
           <a:p>
             <a:fld id="{6BD30CDE-DA6F-4D47-AF50-73E981BD6B11}" type="datetimeFigureOut">
               <a:rPr lang="en-US" smtClean="0"/>
-              <a:t>11/18/18</a:t>
+              <a:t>11/18/2018</a:t>
             </a:fld>
             <a:endParaRPr lang="en-US"/>
           </a:p>
@@ -1824,7 +1824,7 @@
           <a:p>
             <a:fld id="{6BD30CDE-DA6F-4D47-AF50-73E981BD6B11}" type="datetimeFigureOut">
               <a:rPr lang="en-US" smtClean="0"/>
-              <a:t>11/18/18</a:t>
+              <a:t>11/18/2018</a:t>
             </a:fld>
             <a:endParaRPr lang="en-US"/>
           </a:p>
@@ -1965,7 +1965,7 @@
           <a:p>
             <a:fld id="{6BD30CDE-DA6F-4D47-AF50-73E981BD6B11}" type="datetimeFigureOut">
               <a:rPr lang="en-US" smtClean="0"/>
-              <a:t>11/18/18</a:t>
+              <a:t>11/18/2018</a:t>
             </a:fld>
             <a:endParaRPr lang="en-US"/>
           </a:p>
@@ -2078,7 +2078,7 @@
           <a:p>
             <a:fld id="{6BD30CDE-DA6F-4D47-AF50-73E981BD6B11}" type="datetimeFigureOut">
               <a:rPr lang="en-US" smtClean="0"/>
-              <a:t>11/18/18</a:t>
+              <a:t>11/18/2018</a:t>
             </a:fld>
             <a:endParaRPr lang="en-US"/>
           </a:p>
@@ -2389,7 +2389,7 @@
           <a:p>
             <a:fld id="{6BD30CDE-DA6F-4D47-AF50-73E981BD6B11}" type="datetimeFigureOut">
               <a:rPr lang="en-US" smtClean="0"/>
-              <a:t>11/18/18</a:t>
+              <a:t>11/18/2018</a:t>
             </a:fld>
             <a:endParaRPr lang="en-US"/>
           </a:p>
@@ -2677,7 +2677,7 @@
           <a:p>
             <a:fld id="{6BD30CDE-DA6F-4D47-AF50-73E981BD6B11}" type="datetimeFigureOut">
               <a:rPr lang="en-US" smtClean="0"/>
-              <a:t>11/18/18</a:t>
+              <a:t>11/18/2018</a:t>
             </a:fld>
             <a:endParaRPr lang="en-US"/>
           </a:p>
@@ -2918,7 +2918,7 @@
           <a:p>
             <a:fld id="{6BD30CDE-DA6F-4D47-AF50-73E981BD6B11}" type="datetimeFigureOut">
               <a:rPr lang="en-US" smtClean="0"/>
-              <a:t>11/18/18</a:t>
+              <a:t>11/18/2018</a:t>
             </a:fld>
             <a:endParaRPr lang="en-US"/>
           </a:p>
@@ -3504,10 +3504,21 @@
           <a:lstStyle/>
           <a:p>
             <a:r>
-              <a:rPr lang="en-US"/>
+              <a:rPr lang="en-US" dirty="0"/>
               <a:t>Time</a:t>
             </a:r>
-            <a:endParaRPr lang="en-US" dirty="0"/>
+          </a:p>
+          <a:p>
+            <a:r>
+              <a:rPr lang="en-US" dirty="0"/>
+              <a:t>How to make Mario collide with platforms</a:t>
+            </a:r>
+          </a:p>
+          <a:p>
+            <a:r>
+              <a:rPr lang="en-US" dirty="0"/>
+              <a:t>How to set actions to occur for a specific amount of time</a:t>
+            </a:r>
           </a:p>
         </p:txBody>
       </p:sp>
@@ -3604,13 +3615,13 @@
           <a:p>
             <a:r>
               <a:rPr lang="en-US" dirty="0"/>
-              <a:t>I’ve been parasailing</a:t>
-            </a:r>
-          </a:p>
-          <a:p>
-            <a:r>
-              <a:rPr lang="en-US"/>
-              <a:t>Maintenance </a:t>
+              <a:t>something interesting about team member</a:t>
+            </a:r>
+          </a:p>
+          <a:p>
+            <a:r>
+              <a:rPr lang="en-US" dirty="0"/>
+              <a:t>primary roles and responsibilities for team member</a:t>
             </a:r>
             <a:br>
               <a:rPr lang="en-US" dirty="0"/>
@@ -3892,7 +3903,7 @@
           <a:p>
             <a:r>
               <a:rPr lang="en-US" dirty="0"/>
-              <a:t>Rex Bryant</a:t>
+              <a:t>Rex</a:t>
             </a:r>
           </a:p>
         </p:txBody>
@@ -3920,25 +3931,30 @@
           <a:p>
             <a:r>
               <a:rPr lang="en-US" dirty="0"/>
-              <a:t>from hometown</a:t>
+              <a:t>Shreveport, LA</a:t>
             </a:r>
           </a:p>
           <a:p>
             <a:r>
               <a:rPr lang="en-US" dirty="0"/>
-              <a:t>major and why?</a:t>
+              <a:t>Bioinformatics, it’s a new field that sounds interesting</a:t>
             </a:r>
           </a:p>
           <a:p>
             <a:r>
               <a:rPr lang="en-US" dirty="0"/>
-              <a:t>something interesting about team member</a:t>
-            </a:r>
+              <a:t>I own Mario Bros on my </a:t>
+            </a:r>
+            <a:r>
+              <a:rPr lang="en-US" dirty="0" err="1"/>
+              <a:t>gameboy</a:t>
+            </a:r>
+            <a:endParaRPr lang="en-US" dirty="0"/>
           </a:p>
           <a:p>
             <a:r>
               <a:rPr lang="en-US" dirty="0"/>
-              <a:t>primary roles and responsibilities for team member</a:t>
+              <a:t>Trying to figure out how to make Mario jump</a:t>
             </a:r>
             <a:br>
               <a:rPr lang="en-US" dirty="0"/>
@@ -4008,10 +4024,7 @@
               <a:rPr lang="en-US" dirty="0" err="1"/>
               <a:t>Jaik</a:t>
             </a:r>
-            <a:r>
-              <a:rPr lang="en-US" dirty="0"/>
-              <a:t> Davidson</a:t>
-            </a:r>
+            <a:endParaRPr lang="en-US" dirty="0"/>
           </a:p>
         </p:txBody>
       </p:sp>
